--- a/iOS_Plugin/레퍼런스 문서/UO__iOS_가이드 .pptx
+++ b/iOS_Plugin/레퍼런스 문서/UO__iOS_가이드 .pptx
@@ -109,6 +109,11 @@
       </a:defRPr>
     </a:lvl9pPr>
   </p:defaultTextStyle>
+  <p:extLst>
+    <p:ext uri="{EFAFB233-063F-42B5-8137-9DF3F51BA10A}">
+      <p15:sldGuideLst xmlns:p15="http://schemas.microsoft.com/office/powerpoint/2012/main"/>
+    </p:ext>
+  </p:extLst>
 </p:presentation>
 </file>
 
@@ -259,7 +264,7 @@
           <a:p>
             <a:fld id="{E48BE132-2653-D543-8B40-7C5D7A4542BE}" type="datetimeFigureOut">
               <a:rPr kumimoji="1" lang="ko-KR" altLang="en-US" smtClean="0"/>
-              <a:t>2019. 3. 25.</a:t>
+              <a:t>2019. 4. 2.</a:t>
             </a:fld>
             <a:endParaRPr kumimoji="1" lang="ko-KR" altLang="en-US"/>
           </a:p>
@@ -457,7 +462,7 @@
           <a:p>
             <a:fld id="{E48BE132-2653-D543-8B40-7C5D7A4542BE}" type="datetimeFigureOut">
               <a:rPr kumimoji="1" lang="ko-KR" altLang="en-US" smtClean="0"/>
-              <a:t>2019. 3. 25.</a:t>
+              <a:t>2019. 4. 2.</a:t>
             </a:fld>
             <a:endParaRPr kumimoji="1" lang="ko-KR" altLang="en-US"/>
           </a:p>
@@ -665,7 +670,7 @@
           <a:p>
             <a:fld id="{E48BE132-2653-D543-8B40-7C5D7A4542BE}" type="datetimeFigureOut">
               <a:rPr kumimoji="1" lang="ko-KR" altLang="en-US" smtClean="0"/>
-              <a:t>2019. 3. 25.</a:t>
+              <a:t>2019. 4. 2.</a:t>
             </a:fld>
             <a:endParaRPr kumimoji="1" lang="ko-KR" altLang="en-US"/>
           </a:p>
@@ -863,7 +868,7 @@
           <a:p>
             <a:fld id="{E48BE132-2653-D543-8B40-7C5D7A4542BE}" type="datetimeFigureOut">
               <a:rPr kumimoji="1" lang="ko-KR" altLang="en-US" smtClean="0"/>
-              <a:t>2019. 3. 25.</a:t>
+              <a:t>2019. 4. 2.</a:t>
             </a:fld>
             <a:endParaRPr kumimoji="1" lang="ko-KR" altLang="en-US"/>
           </a:p>
@@ -1138,7 +1143,7 @@
           <a:p>
             <a:fld id="{E48BE132-2653-D543-8B40-7C5D7A4542BE}" type="datetimeFigureOut">
               <a:rPr kumimoji="1" lang="ko-KR" altLang="en-US" smtClean="0"/>
-              <a:t>2019. 3. 25.</a:t>
+              <a:t>2019. 4. 2.</a:t>
             </a:fld>
             <a:endParaRPr kumimoji="1" lang="ko-KR" altLang="en-US"/>
           </a:p>
@@ -1403,7 +1408,7 @@
           <a:p>
             <a:fld id="{E48BE132-2653-D543-8B40-7C5D7A4542BE}" type="datetimeFigureOut">
               <a:rPr kumimoji="1" lang="ko-KR" altLang="en-US" smtClean="0"/>
-              <a:t>2019. 3. 25.</a:t>
+              <a:t>2019. 4. 2.</a:t>
             </a:fld>
             <a:endParaRPr kumimoji="1" lang="ko-KR" altLang="en-US"/>
           </a:p>
@@ -1815,7 +1820,7 @@
           <a:p>
             <a:fld id="{E48BE132-2653-D543-8B40-7C5D7A4542BE}" type="datetimeFigureOut">
               <a:rPr kumimoji="1" lang="ko-KR" altLang="en-US" smtClean="0"/>
-              <a:t>2019. 3. 25.</a:t>
+              <a:t>2019. 4. 2.</a:t>
             </a:fld>
             <a:endParaRPr kumimoji="1" lang="ko-KR" altLang="en-US"/>
           </a:p>
@@ -1956,7 +1961,7 @@
           <a:p>
             <a:fld id="{E48BE132-2653-D543-8B40-7C5D7A4542BE}" type="datetimeFigureOut">
               <a:rPr kumimoji="1" lang="ko-KR" altLang="en-US" smtClean="0"/>
-              <a:t>2019. 3. 25.</a:t>
+              <a:t>2019. 4. 2.</a:t>
             </a:fld>
             <a:endParaRPr kumimoji="1" lang="ko-KR" altLang="en-US"/>
           </a:p>
@@ -2069,7 +2074,7 @@
           <a:p>
             <a:fld id="{E48BE132-2653-D543-8B40-7C5D7A4542BE}" type="datetimeFigureOut">
               <a:rPr kumimoji="1" lang="ko-KR" altLang="en-US" smtClean="0"/>
-              <a:t>2019. 3. 25.</a:t>
+              <a:t>2019. 4. 2.</a:t>
             </a:fld>
             <a:endParaRPr kumimoji="1" lang="ko-KR" altLang="en-US"/>
           </a:p>
@@ -2380,7 +2385,7 @@
           <a:p>
             <a:fld id="{E48BE132-2653-D543-8B40-7C5D7A4542BE}" type="datetimeFigureOut">
               <a:rPr kumimoji="1" lang="ko-KR" altLang="en-US" smtClean="0"/>
-              <a:t>2019. 3. 25.</a:t>
+              <a:t>2019. 4. 2.</a:t>
             </a:fld>
             <a:endParaRPr kumimoji="1" lang="ko-KR" altLang="en-US"/>
           </a:p>
@@ -2668,7 +2673,7 @@
           <a:p>
             <a:fld id="{E48BE132-2653-D543-8B40-7C5D7A4542BE}" type="datetimeFigureOut">
               <a:rPr kumimoji="1" lang="ko-KR" altLang="en-US" smtClean="0"/>
-              <a:t>2019. 3. 25.</a:t>
+              <a:t>2019. 4. 2.</a:t>
             </a:fld>
             <a:endParaRPr kumimoji="1" lang="ko-KR" altLang="en-US"/>
           </a:p>
@@ -2909,7 +2914,7 @@
           <a:p>
             <a:fld id="{E48BE132-2653-D543-8B40-7C5D7A4542BE}" type="datetimeFigureOut">
               <a:rPr kumimoji="1" lang="ko-KR" altLang="en-US" smtClean="0"/>
-              <a:t>2019. 3. 25.</a:t>
+              <a:t>2019. 4. 2.</a:t>
             </a:fld>
             <a:endParaRPr kumimoji="1" lang="ko-KR" altLang="en-US"/>
           </a:p>
@@ -3537,12 +3542,284 @@
           <a:chExt cx="0" cy="0"/>
         </a:xfrm>
       </p:grpSpPr>
+      <p:sp>
+        <p:nvSpPr>
+          <p:cNvPr id="6" name="TextBox 5">
+            <a:extLst>
+              <a:ext uri="{FF2B5EF4-FFF2-40B4-BE49-F238E27FC236}">
+                <a16:creationId xmlns:a16="http://schemas.microsoft.com/office/drawing/2014/main" id="{4F5E6790-C12E-D14E-B45B-3EA0458C60C5}"/>
+              </a:ext>
+            </a:extLst>
+          </p:cNvPr>
+          <p:cNvSpPr txBox="1"/>
+          <p:nvPr/>
+        </p:nvSpPr>
+        <p:spPr>
+          <a:xfrm>
+            <a:off x="868062" y="493417"/>
+            <a:ext cx="8008883" cy="369332"/>
+          </a:xfrm>
+          <a:prstGeom prst="rect">
+            <a:avLst/>
+          </a:prstGeom>
+          <a:noFill/>
+        </p:spPr>
+        <p:txBody>
+          <a:bodyPr wrap="square" rtlCol="0">
+            <a:spAutoFit/>
+          </a:bodyPr>
+          <a:lstStyle/>
+          <a:p>
+            <a:r>
+              <a:rPr kumimoji="1" lang="en-US" altLang="ko-KR" dirty="0"/>
+              <a:t>Unity -&gt; </a:t>
+            </a:r>
+            <a:r>
+              <a:rPr kumimoji="1" lang="en-US" altLang="ko-KR" dirty="0" err="1"/>
+              <a:t>ios</a:t>
+            </a:r>
+            <a:r>
+              <a:rPr kumimoji="1" lang="en-US" altLang="ko-KR" dirty="0"/>
+              <a:t> </a:t>
+            </a:r>
+            <a:r>
+              <a:rPr kumimoji="1" lang="ko-KR" altLang="en-US" dirty="0" err="1"/>
+              <a:t>포팅</a:t>
+            </a:r>
+            <a:r>
+              <a:rPr kumimoji="1" lang="ko-KR" altLang="en-US" dirty="0"/>
+              <a:t> 및 빌드 시 </a:t>
+            </a:r>
+          </a:p>
+        </p:txBody>
+      </p:sp>
+      <p:sp>
+        <p:nvSpPr>
+          <p:cNvPr id="7" name="TextBox 6">
+            <a:extLst>
+              <a:ext uri="{FF2B5EF4-FFF2-40B4-BE49-F238E27FC236}">
+                <a16:creationId xmlns:a16="http://schemas.microsoft.com/office/drawing/2014/main" id="{72658FAE-68C4-5E43-BF3C-99DCB1FDED2E}"/>
+              </a:ext>
+            </a:extLst>
+          </p:cNvPr>
+          <p:cNvSpPr txBox="1"/>
+          <p:nvPr/>
+        </p:nvSpPr>
+        <p:spPr>
+          <a:xfrm>
+            <a:off x="769207" y="4483780"/>
+            <a:ext cx="11096971" cy="2585323"/>
+          </a:xfrm>
+          <a:prstGeom prst="rect">
+            <a:avLst/>
+          </a:prstGeom>
+          <a:noFill/>
+        </p:spPr>
+        <p:txBody>
+          <a:bodyPr wrap="square" rtlCol="0">
+            <a:spAutoFit/>
+          </a:bodyPr>
+          <a:lstStyle/>
+          <a:p>
+            <a:r>
+              <a:rPr kumimoji="1" lang="en-US" altLang="ko-KR" dirty="0" err="1"/>
+              <a:t>iOSManager.cs</a:t>
+            </a:r>
+            <a:r>
+              <a:rPr kumimoji="1" lang="ko-KR" altLang="en-US" dirty="0"/>
+              <a:t> 파일은 스크립트 폴더에 넣어주시고 </a:t>
+            </a:r>
+            <a:endParaRPr kumimoji="1" lang="en-US" altLang="ko-KR" dirty="0"/>
+          </a:p>
+          <a:p>
+            <a:r>
+              <a:rPr kumimoji="1" lang="ko-KR" altLang="en-US" dirty="0"/>
+              <a:t>위에 </a:t>
+            </a:r>
+            <a:r>
+              <a:rPr kumimoji="1" lang="en-US" altLang="ko-KR" dirty="0" err="1"/>
+              <a:t>ButtonManager.cs</a:t>
+            </a:r>
+            <a:r>
+              <a:rPr kumimoji="1" lang="ko-KR" altLang="en-US" dirty="0"/>
+              <a:t>는 여기서 </a:t>
+            </a:r>
+            <a:r>
+              <a:rPr kumimoji="1" lang="ko-KR" altLang="en-US" dirty="0" err="1"/>
+              <a:t>테스트할때</a:t>
+            </a:r>
+            <a:r>
+              <a:rPr kumimoji="1" lang="ko-KR" altLang="en-US" dirty="0"/>
+              <a:t> </a:t>
+            </a:r>
+            <a:r>
+              <a:rPr kumimoji="1" lang="ko-KR" altLang="en-US" dirty="0" err="1"/>
+              <a:t>버튼식으로</a:t>
+            </a:r>
+            <a:r>
+              <a:rPr kumimoji="1" lang="ko-KR" altLang="en-US" dirty="0"/>
+              <a:t> </a:t>
+            </a:r>
+            <a:r>
+              <a:rPr kumimoji="1" lang="ko-KR" altLang="en-US" dirty="0" err="1"/>
+              <a:t>만들어준것이니</a:t>
+            </a:r>
+            <a:r>
+              <a:rPr kumimoji="1" lang="ko-KR" altLang="en-US" dirty="0"/>
+              <a:t> 신경 </a:t>
+            </a:r>
+            <a:r>
+              <a:rPr kumimoji="1" lang="ko-KR" altLang="en-US" dirty="0" err="1"/>
+              <a:t>안쓰셔도</a:t>
+            </a:r>
+            <a:r>
+              <a:rPr kumimoji="1" lang="ko-KR" altLang="en-US" dirty="0"/>
+              <a:t> 됩니다</a:t>
+            </a:r>
+            <a:r>
+              <a:rPr kumimoji="1" lang="en-US" altLang="ko-KR" dirty="0"/>
+              <a:t>.</a:t>
+            </a:r>
+          </a:p>
+          <a:p>
+            <a:r>
+              <a:rPr kumimoji="1" lang="en-US" altLang="ko-KR" dirty="0" err="1"/>
+              <a:t>PostBox.cs</a:t>
+            </a:r>
+            <a:r>
+              <a:rPr kumimoji="1" lang="ko-KR" altLang="en-US" dirty="0"/>
+              <a:t> 는 </a:t>
+            </a:r>
+            <a:r>
+              <a:rPr kumimoji="1" lang="en-US" altLang="ko-KR" dirty="0" err="1"/>
+              <a:t>iOSManger</a:t>
+            </a:r>
+            <a:r>
+              <a:rPr kumimoji="1" lang="ko-KR" altLang="en-US" dirty="0"/>
+              <a:t>에 큐를 쓰기 위한 클래스 입니다</a:t>
+            </a:r>
+            <a:r>
+              <a:rPr kumimoji="1" lang="en-US" altLang="ko-KR" dirty="0"/>
+              <a:t>.</a:t>
+            </a:r>
+            <a:r>
+              <a:rPr kumimoji="1" lang="ko-KR" altLang="en-US" dirty="0"/>
+              <a:t> 안드로이드와 똑같이 사용하였습니다</a:t>
+            </a:r>
+            <a:r>
+              <a:rPr kumimoji="1" lang="en-US" altLang="ko-KR" dirty="0"/>
+              <a:t>.</a:t>
+            </a:r>
+          </a:p>
+          <a:p>
+            <a:r>
+              <a:rPr kumimoji="1" lang="ko-KR" altLang="en-US" dirty="0"/>
+              <a:t> </a:t>
+            </a:r>
+            <a:r>
+              <a:rPr kumimoji="1" lang="en-US" altLang="ko-KR" dirty="0" err="1"/>
+              <a:t>iOSManager</a:t>
+            </a:r>
+            <a:r>
+              <a:rPr kumimoji="1" lang="ko-KR" altLang="en-US" dirty="0"/>
+              <a:t> </a:t>
+            </a:r>
+            <a:r>
+              <a:rPr kumimoji="1" lang="ko-KR" altLang="en-US" dirty="0" err="1"/>
+              <a:t>클래서</a:t>
+            </a:r>
+            <a:r>
+              <a:rPr kumimoji="1" lang="ko-KR" altLang="en-US" dirty="0"/>
+              <a:t> </a:t>
+            </a:r>
+            <a:r>
+              <a:rPr kumimoji="1" lang="ko-KR" altLang="en-US" dirty="0" err="1"/>
+              <a:t>래핑클래스로서</a:t>
+            </a:r>
+            <a:r>
+              <a:rPr kumimoji="1" lang="ko-KR" altLang="en-US" dirty="0"/>
+              <a:t> 여기에 정의된 함수들을 가지고 쓰시면 됩니다</a:t>
+            </a:r>
+            <a:r>
+              <a:rPr kumimoji="1" lang="en-US" altLang="ko-KR" dirty="0"/>
+              <a:t>.</a:t>
+            </a:r>
+            <a:r>
+              <a:rPr kumimoji="1" lang="ko-KR" altLang="en-US" dirty="0"/>
+              <a:t> </a:t>
+            </a:r>
+            <a:r>
+              <a:rPr kumimoji="1" lang="en-US" altLang="ko-KR" dirty="0"/>
+              <a:t>.</a:t>
+            </a:r>
+            <a:r>
+              <a:rPr kumimoji="1" lang="ko-KR" altLang="en-US" dirty="0"/>
+              <a:t> </a:t>
+            </a:r>
+            <a:endParaRPr kumimoji="1" lang="en-US" altLang="ko-KR" dirty="0"/>
+          </a:p>
+          <a:p>
+            <a:endParaRPr kumimoji="1" lang="en-US" altLang="ko-KR" dirty="0"/>
+          </a:p>
+          <a:p>
+            <a:r>
+              <a:rPr kumimoji="1" lang="ko-KR" altLang="en-US" dirty="0" err="1">
+                <a:solidFill>
+                  <a:srgbClr val="FF0000"/>
+                </a:solidFill>
+              </a:rPr>
+              <a:t>빌드시</a:t>
+            </a:r>
+            <a:r>
+              <a:rPr kumimoji="1" lang="ko-KR" altLang="en-US" dirty="0">
+                <a:solidFill>
+                  <a:srgbClr val="FF0000"/>
+                </a:solidFill>
+              </a:rPr>
+              <a:t> 반드시 </a:t>
+            </a:r>
+            <a:r>
+              <a:rPr kumimoji="1" lang="en-US" altLang="ko-KR" dirty="0">
+                <a:solidFill>
+                  <a:srgbClr val="FF0000"/>
+                </a:solidFill>
+              </a:rPr>
+              <a:t>Debug</a:t>
+            </a:r>
+            <a:r>
+              <a:rPr kumimoji="1" lang="ko-KR" altLang="en-US" dirty="0">
+                <a:solidFill>
+                  <a:srgbClr val="FF0000"/>
+                </a:solidFill>
+              </a:rPr>
+              <a:t> 로 해주셔야 합니다</a:t>
+            </a:r>
+            <a:r>
+              <a:rPr kumimoji="1" lang="en-US" altLang="ko-KR" dirty="0">
+                <a:solidFill>
+                  <a:srgbClr val="FF0000"/>
+                </a:solidFill>
+              </a:rPr>
+              <a:t>.</a:t>
+            </a:r>
+          </a:p>
+          <a:p>
+            <a:endParaRPr kumimoji="1" lang="en-US" altLang="ko-KR" dirty="0"/>
+          </a:p>
+          <a:p>
+            <a:endParaRPr kumimoji="1" lang="en-US" altLang="ko-KR" dirty="0"/>
+          </a:p>
+          <a:p>
+            <a:endParaRPr kumimoji="1" lang="en-US" altLang="ko-KR" dirty="0"/>
+          </a:p>
+        </p:txBody>
+      </p:sp>
       <p:pic>
         <p:nvPicPr>
-          <p:cNvPr id="5" name="그림 4">
-            <a:extLst>
-              <a:ext uri="{FF2B5EF4-FFF2-40B4-BE49-F238E27FC236}">
-                <a16:creationId xmlns:a16="http://schemas.microsoft.com/office/drawing/2014/main" id="{71AC301C-B5CD-A141-BFED-B20033321992}"/>
+          <p:cNvPr id="9" name="그림 8">
+            <a:extLst>
+              <a:ext uri="{FF2B5EF4-FFF2-40B4-BE49-F238E27FC236}">
+                <a16:creationId xmlns:a16="http://schemas.microsoft.com/office/drawing/2014/main" id="{E28F1051-1B60-0449-A61A-FA0822CFE31B}"/>
               </a:ext>
             </a:extLst>
           </p:cNvPr>
@@ -3553,278 +3830,6 @@
         </p:nvPicPr>
         <p:blipFill>
           <a:blip r:embed="rId2"/>
-          <a:stretch>
-            <a:fillRect/>
-          </a:stretch>
-        </p:blipFill>
-        <p:spPr>
-          <a:xfrm>
-            <a:off x="868062" y="1220058"/>
-            <a:ext cx="5582165" cy="2721747"/>
-          </a:xfrm>
-          <a:prstGeom prst="rect">
-            <a:avLst/>
-          </a:prstGeom>
-        </p:spPr>
-      </p:pic>
-      <p:sp>
-        <p:nvSpPr>
-          <p:cNvPr id="6" name="TextBox 5">
-            <a:extLst>
-              <a:ext uri="{FF2B5EF4-FFF2-40B4-BE49-F238E27FC236}">
-                <a16:creationId xmlns:a16="http://schemas.microsoft.com/office/drawing/2014/main" id="{4F5E6790-C12E-D14E-B45B-3EA0458C60C5}"/>
-              </a:ext>
-            </a:extLst>
-          </p:cNvPr>
-          <p:cNvSpPr txBox="1"/>
-          <p:nvPr/>
-        </p:nvSpPr>
-        <p:spPr>
-          <a:xfrm>
-            <a:off x="868062" y="493417"/>
-            <a:ext cx="8008883" cy="369332"/>
-          </a:xfrm>
-          <a:prstGeom prst="rect">
-            <a:avLst/>
-          </a:prstGeom>
-          <a:noFill/>
-        </p:spPr>
-        <p:txBody>
-          <a:bodyPr wrap="square" rtlCol="0">
-            <a:spAutoFit/>
-          </a:bodyPr>
-          <a:lstStyle/>
-          <a:p>
-            <a:r>
-              <a:rPr kumimoji="1" lang="en-US" altLang="ko-KR" dirty="0"/>
-              <a:t>Unity -&gt; </a:t>
-            </a:r>
-            <a:r>
-              <a:rPr kumimoji="1" lang="en-US" altLang="ko-KR" dirty="0" err="1"/>
-              <a:t>ios</a:t>
-            </a:r>
-            <a:r>
-              <a:rPr kumimoji="1" lang="en-US" altLang="ko-KR" dirty="0"/>
-              <a:t> </a:t>
-            </a:r>
-            <a:r>
-              <a:rPr kumimoji="1" lang="ko-KR" altLang="en-US" dirty="0" err="1"/>
-              <a:t>포팅</a:t>
-            </a:r>
-            <a:r>
-              <a:rPr kumimoji="1" lang="ko-KR" altLang="en-US" dirty="0"/>
-              <a:t> 및 빌드 시 </a:t>
-            </a:r>
-          </a:p>
-        </p:txBody>
-      </p:sp>
-      <p:sp>
-        <p:nvSpPr>
-          <p:cNvPr id="7" name="TextBox 6">
-            <a:extLst>
-              <a:ext uri="{FF2B5EF4-FFF2-40B4-BE49-F238E27FC236}">
-                <a16:creationId xmlns:a16="http://schemas.microsoft.com/office/drawing/2014/main" id="{72658FAE-68C4-5E43-BF3C-99DCB1FDED2E}"/>
-              </a:ext>
-            </a:extLst>
-          </p:cNvPr>
-          <p:cNvSpPr txBox="1"/>
-          <p:nvPr/>
-        </p:nvSpPr>
-        <p:spPr>
-          <a:xfrm>
-            <a:off x="769208" y="4483780"/>
-            <a:ext cx="10141808" cy="2308324"/>
-          </a:xfrm>
-          <a:prstGeom prst="rect">
-            <a:avLst/>
-          </a:prstGeom>
-          <a:noFill/>
-        </p:spPr>
-        <p:txBody>
-          <a:bodyPr wrap="square" rtlCol="0">
-            <a:spAutoFit/>
-          </a:bodyPr>
-          <a:lstStyle/>
-          <a:p>
-            <a:r>
-              <a:rPr kumimoji="1" lang="en-US" altLang="ko-KR" dirty="0" err="1"/>
-              <a:t>iOSManager.cs</a:t>
-            </a:r>
-            <a:r>
-              <a:rPr kumimoji="1" lang="ko-KR" altLang="en-US" dirty="0"/>
-              <a:t> 파일은 스크립트 폴더에 넣어주시고 </a:t>
-            </a:r>
-            <a:endParaRPr kumimoji="1" lang="en-US" altLang="ko-KR" dirty="0"/>
-          </a:p>
-          <a:p>
-            <a:r>
-              <a:rPr kumimoji="1" lang="ko-KR" altLang="en-US" dirty="0"/>
-              <a:t>위에 </a:t>
-            </a:r>
-            <a:r>
-              <a:rPr kumimoji="1" lang="en-US" altLang="ko-KR" dirty="0" err="1"/>
-              <a:t>ButtonManager.cs</a:t>
-            </a:r>
-            <a:r>
-              <a:rPr kumimoji="1" lang="ko-KR" altLang="en-US" dirty="0"/>
-              <a:t>는 여기서 </a:t>
-            </a:r>
-            <a:r>
-              <a:rPr kumimoji="1" lang="ko-KR" altLang="en-US" dirty="0" err="1"/>
-              <a:t>테스트할때</a:t>
-            </a:r>
-            <a:r>
-              <a:rPr kumimoji="1" lang="ko-KR" altLang="en-US" dirty="0"/>
-              <a:t> </a:t>
-            </a:r>
-            <a:r>
-              <a:rPr kumimoji="1" lang="ko-KR" altLang="en-US" dirty="0" err="1"/>
-              <a:t>버튼식으로</a:t>
-            </a:r>
-            <a:r>
-              <a:rPr kumimoji="1" lang="ko-KR" altLang="en-US" dirty="0"/>
-              <a:t> </a:t>
-            </a:r>
-            <a:r>
-              <a:rPr kumimoji="1" lang="ko-KR" altLang="en-US" dirty="0" err="1"/>
-              <a:t>만들어준것이니</a:t>
-            </a:r>
-            <a:r>
-              <a:rPr kumimoji="1" lang="ko-KR" altLang="en-US" dirty="0"/>
-              <a:t> 신경 </a:t>
-            </a:r>
-            <a:r>
-              <a:rPr kumimoji="1" lang="ko-KR" altLang="en-US" dirty="0" err="1"/>
-              <a:t>안쓰셔도</a:t>
-            </a:r>
-            <a:r>
-              <a:rPr kumimoji="1" lang="ko-KR" altLang="en-US" dirty="0"/>
-              <a:t> 됩니다</a:t>
-            </a:r>
-            <a:r>
-              <a:rPr kumimoji="1" lang="en-US" altLang="ko-KR" dirty="0"/>
-              <a:t>.</a:t>
-            </a:r>
-          </a:p>
-          <a:p>
-            <a:r>
-              <a:rPr kumimoji="1" lang="ko-KR" altLang="en-US" dirty="0"/>
-              <a:t> </a:t>
-            </a:r>
-            <a:r>
-              <a:rPr kumimoji="1" lang="en-US" altLang="ko-KR" dirty="0" err="1"/>
-              <a:t>iOSManager</a:t>
-            </a:r>
-            <a:r>
-              <a:rPr kumimoji="1" lang="ko-KR" altLang="en-US" dirty="0"/>
-              <a:t> </a:t>
-            </a:r>
-            <a:r>
-              <a:rPr kumimoji="1" lang="ko-KR" altLang="en-US" dirty="0" err="1"/>
-              <a:t>클래서</a:t>
-            </a:r>
-            <a:r>
-              <a:rPr kumimoji="1" lang="ko-KR" altLang="en-US" dirty="0"/>
-              <a:t> </a:t>
-            </a:r>
-            <a:r>
-              <a:rPr kumimoji="1" lang="ko-KR" altLang="en-US" dirty="0" err="1"/>
-              <a:t>래핑클래스로서</a:t>
-            </a:r>
-            <a:r>
-              <a:rPr kumimoji="1" lang="ko-KR" altLang="en-US" dirty="0"/>
-              <a:t> 여기에 정의된 함수들을 가지고 쓰시면 됩니다</a:t>
-            </a:r>
-            <a:r>
-              <a:rPr kumimoji="1" lang="en-US" altLang="ko-KR" dirty="0"/>
-              <a:t>.</a:t>
-            </a:r>
-            <a:r>
-              <a:rPr kumimoji="1" lang="ko-KR" altLang="en-US" dirty="0"/>
-              <a:t> </a:t>
-            </a:r>
-            <a:r>
-              <a:rPr kumimoji="1" lang="en-US" altLang="ko-KR" dirty="0"/>
-              <a:t>.</a:t>
-            </a:r>
-            <a:r>
-              <a:rPr kumimoji="1" lang="ko-KR" altLang="en-US" dirty="0"/>
-              <a:t> </a:t>
-            </a:r>
-            <a:endParaRPr kumimoji="1" lang="en-US" altLang="ko-KR" dirty="0"/>
-          </a:p>
-          <a:p>
-            <a:endParaRPr kumimoji="1" lang="en-US" altLang="ko-KR" dirty="0"/>
-          </a:p>
-          <a:p>
-            <a:r>
-              <a:rPr kumimoji="1" lang="ko-KR" altLang="en-US" dirty="0" err="1">
-                <a:solidFill>
-                  <a:srgbClr val="FF0000"/>
-                </a:solidFill>
-              </a:rPr>
-              <a:t>빌드시</a:t>
-            </a:r>
-            <a:r>
-              <a:rPr kumimoji="1" lang="ko-KR" altLang="en-US" dirty="0">
-                <a:solidFill>
-                  <a:srgbClr val="FF0000"/>
-                </a:solidFill>
-              </a:rPr>
-              <a:t> 반드시 </a:t>
-            </a:r>
-            <a:r>
-              <a:rPr kumimoji="1" lang="en-US" altLang="ko-KR" dirty="0">
-                <a:solidFill>
-                  <a:srgbClr val="FF0000"/>
-                </a:solidFill>
-              </a:rPr>
-              <a:t>Debug</a:t>
-            </a:r>
-            <a:r>
-              <a:rPr kumimoji="1" lang="ko-KR" altLang="en-US" dirty="0">
-                <a:solidFill>
-                  <a:srgbClr val="FF0000"/>
-                </a:solidFill>
-              </a:rPr>
-              <a:t> 로 해주셔야 합니다</a:t>
-            </a:r>
-            <a:r>
-              <a:rPr kumimoji="1" lang="en-US" altLang="ko-KR" dirty="0">
-                <a:solidFill>
-                  <a:srgbClr val="FF0000"/>
-                </a:solidFill>
-              </a:rPr>
-              <a:t>.</a:t>
-            </a:r>
-          </a:p>
-          <a:p>
-            <a:endParaRPr kumimoji="1" lang="en-US" altLang="ko-KR" dirty="0"/>
-          </a:p>
-          <a:p>
-            <a:endParaRPr kumimoji="1" lang="en-US" altLang="ko-KR" dirty="0"/>
-          </a:p>
-          <a:p>
-            <a:endParaRPr kumimoji="1" lang="en-US" altLang="ko-KR" dirty="0"/>
-          </a:p>
-        </p:txBody>
-      </p:sp>
-      <p:pic>
-        <p:nvPicPr>
-          <p:cNvPr id="9" name="그림 8">
-            <a:extLst>
-              <a:ext uri="{FF2B5EF4-FFF2-40B4-BE49-F238E27FC236}">
-                <a16:creationId xmlns:a16="http://schemas.microsoft.com/office/drawing/2014/main" id="{E28F1051-1B60-0449-A61A-FA0822CFE31B}"/>
-              </a:ext>
-            </a:extLst>
-          </p:cNvPr>
-          <p:cNvPicPr>
-            <a:picLocks noChangeAspect="1"/>
-          </p:cNvPicPr>
-          <p:nvPr/>
-        </p:nvPicPr>
-        <p:blipFill>
-          <a:blip r:embed="rId3"/>
           <a:stretch>
             <a:fillRect/>
           </a:stretch>
@@ -3906,8 +3911,8 @@
         </p:nvCxnSpPr>
         <p:spPr>
           <a:xfrm flipV="1">
-            <a:off x="5301049" y="3906457"/>
-            <a:ext cx="3862912" cy="1868978"/>
+            <a:off x="5412828" y="3906457"/>
+            <a:ext cx="3751133" cy="2115971"/>
           </a:xfrm>
           <a:prstGeom prst="bentConnector2">
             <a:avLst/>
@@ -3931,6 +3936,36 @@
           </a:fontRef>
         </p:style>
       </p:cxnSp>
+      <p:pic>
+        <p:nvPicPr>
+          <p:cNvPr id="3" name="그림 2">
+            <a:extLst>
+              <a:ext uri="{FF2B5EF4-FFF2-40B4-BE49-F238E27FC236}">
+                <a16:creationId xmlns:a16="http://schemas.microsoft.com/office/drawing/2014/main" id="{A7E39077-0221-6A47-9C89-FB77706598C2}"/>
+              </a:ext>
+            </a:extLst>
+          </p:cNvPr>
+          <p:cNvPicPr>
+            <a:picLocks noChangeAspect="1"/>
+          </p:cNvPicPr>
+          <p:nvPr/>
+        </p:nvPicPr>
+        <p:blipFill>
+          <a:blip r:embed="rId3"/>
+          <a:stretch>
+            <a:fillRect/>
+          </a:stretch>
+        </p:blipFill>
+        <p:spPr>
+          <a:xfrm>
+            <a:off x="560989" y="1091250"/>
+            <a:ext cx="6144611" cy="2870200"/>
+          </a:xfrm>
+          <a:prstGeom prst="rect">
+            <a:avLst/>
+          </a:prstGeom>
+        </p:spPr>
+      </p:pic>
     </p:spTree>
     <p:extLst>
       <p:ext uri="{BB962C8B-B14F-4D97-AF65-F5344CB8AC3E}">
